--- a/Documents/CPSC583_Project_Presentation.pptx
+++ b/Documents/CPSC583_Project_Presentation.pptx
@@ -15,8 +15,9 @@
     <p:sldId id="268" r:id="rId9"/>
     <p:sldId id="263" r:id="rId10"/>
     <p:sldId id="264" r:id="rId11"/>
-    <p:sldId id="265" r:id="rId12"/>
-    <p:sldId id="266" r:id="rId13"/>
+    <p:sldId id="269" r:id="rId12"/>
+    <p:sldId id="265" r:id="rId13"/>
+    <p:sldId id="266" r:id="rId14"/>
   </p:sldIdLst>
   <p:sldSz cx="12192000" cy="6858000"/>
   <p:notesSz cx="6858000" cy="9144000"/>
@@ -115,6 +116,11 @@
       </a:defRPr>
     </a:lvl9pPr>
   </p:defaultTextStyle>
+  <p:extLst>
+    <p:ext uri="{EFAFB233-063F-42B5-8137-9DF3F51BA10A}">
+      <p15:sldGuideLst xmlns:p15="http://schemas.microsoft.com/office/powerpoint/2012/main"/>
+    </p:ext>
+  </p:extLst>
 </p:presentation>
 </file>
 
@@ -265,7 +271,7 @@
           <a:p>
             <a:fld id="{5635AC2B-BEBD-1B4B-BE0F-6AA155179AD2}" type="datetimeFigureOut">
               <a:rPr lang="en-US" smtClean="0"/>
-              <a:t>12/7/23</a:t>
+              <a:t>12/15/23</a:t>
             </a:fld>
             <a:endParaRPr lang="en-US"/>
           </a:p>
@@ -463,7 +469,7 @@
           <a:p>
             <a:fld id="{5635AC2B-BEBD-1B4B-BE0F-6AA155179AD2}" type="datetimeFigureOut">
               <a:rPr lang="en-US" smtClean="0"/>
-              <a:t>12/7/23</a:t>
+              <a:t>12/15/23</a:t>
             </a:fld>
             <a:endParaRPr lang="en-US"/>
           </a:p>
@@ -671,7 +677,7 @@
           <a:p>
             <a:fld id="{5635AC2B-BEBD-1B4B-BE0F-6AA155179AD2}" type="datetimeFigureOut">
               <a:rPr lang="en-US" smtClean="0"/>
-              <a:t>12/7/23</a:t>
+              <a:t>12/15/23</a:t>
             </a:fld>
             <a:endParaRPr lang="en-US"/>
           </a:p>
@@ -869,7 +875,7 @@
           <a:p>
             <a:fld id="{5635AC2B-BEBD-1B4B-BE0F-6AA155179AD2}" type="datetimeFigureOut">
               <a:rPr lang="en-US" smtClean="0"/>
-              <a:t>12/7/23</a:t>
+              <a:t>12/15/23</a:t>
             </a:fld>
             <a:endParaRPr lang="en-US"/>
           </a:p>
@@ -1144,7 +1150,7 @@
           <a:p>
             <a:fld id="{5635AC2B-BEBD-1B4B-BE0F-6AA155179AD2}" type="datetimeFigureOut">
               <a:rPr lang="en-US" smtClean="0"/>
-              <a:t>12/7/23</a:t>
+              <a:t>12/15/23</a:t>
             </a:fld>
             <a:endParaRPr lang="en-US"/>
           </a:p>
@@ -1409,7 +1415,7 @@
           <a:p>
             <a:fld id="{5635AC2B-BEBD-1B4B-BE0F-6AA155179AD2}" type="datetimeFigureOut">
               <a:rPr lang="en-US" smtClean="0"/>
-              <a:t>12/7/23</a:t>
+              <a:t>12/15/23</a:t>
             </a:fld>
             <a:endParaRPr lang="en-US"/>
           </a:p>
@@ -1821,7 +1827,7 @@
           <a:p>
             <a:fld id="{5635AC2B-BEBD-1B4B-BE0F-6AA155179AD2}" type="datetimeFigureOut">
               <a:rPr lang="en-US" smtClean="0"/>
-              <a:t>12/7/23</a:t>
+              <a:t>12/15/23</a:t>
             </a:fld>
             <a:endParaRPr lang="en-US"/>
           </a:p>
@@ -1962,7 +1968,7 @@
           <a:p>
             <a:fld id="{5635AC2B-BEBD-1B4B-BE0F-6AA155179AD2}" type="datetimeFigureOut">
               <a:rPr lang="en-US" smtClean="0"/>
-              <a:t>12/7/23</a:t>
+              <a:t>12/15/23</a:t>
             </a:fld>
             <a:endParaRPr lang="en-US"/>
           </a:p>
@@ -2075,7 +2081,7 @@
           <a:p>
             <a:fld id="{5635AC2B-BEBD-1B4B-BE0F-6AA155179AD2}" type="datetimeFigureOut">
               <a:rPr lang="en-US" smtClean="0"/>
-              <a:t>12/7/23</a:t>
+              <a:t>12/15/23</a:t>
             </a:fld>
             <a:endParaRPr lang="en-US"/>
           </a:p>
@@ -2386,7 +2392,7 @@
           <a:p>
             <a:fld id="{5635AC2B-BEBD-1B4B-BE0F-6AA155179AD2}" type="datetimeFigureOut">
               <a:rPr lang="en-US" smtClean="0"/>
-              <a:t>12/7/23</a:t>
+              <a:t>12/15/23</a:t>
             </a:fld>
             <a:endParaRPr lang="en-US"/>
           </a:p>
@@ -2674,7 +2680,7 @@
           <a:p>
             <a:fld id="{5635AC2B-BEBD-1B4B-BE0F-6AA155179AD2}" type="datetimeFigureOut">
               <a:rPr lang="en-US" smtClean="0"/>
-              <a:t>12/7/23</a:t>
+              <a:t>12/15/23</a:t>
             </a:fld>
             <a:endParaRPr lang="en-US"/>
           </a:p>
@@ -2915,7 +2921,7 @@
           <a:p>
             <a:fld id="{5635AC2B-BEBD-1B4B-BE0F-6AA155179AD2}" type="datetimeFigureOut">
               <a:rPr lang="en-US" smtClean="0"/>
-              <a:t>12/7/23</a:t>
+              <a:t>12/15/23</a:t>
             </a:fld>
             <a:endParaRPr lang="en-US"/>
           </a:p>
@@ -3862,6 +3868,365 @@
       </p:grpSpPr>
       <p:sp useBgFill="1">
         <p:nvSpPr>
+          <p:cNvPr id="8" name="Rectangle 7">
+            <a:extLst>
+              <a:ext uri="{FF2B5EF4-FFF2-40B4-BE49-F238E27FC236}">
+                <a16:creationId xmlns:a16="http://schemas.microsoft.com/office/drawing/2014/main" id="{081EA652-8C6A-4E69-BEB9-170809474553}"/>
+              </a:ext>
+              <a:ext uri="{C183D7F6-B498-43B3-948B-1728B52AA6E4}">
+                <adec:decorative xmlns:adec="http://schemas.microsoft.com/office/drawing/2017/decorative" val="1"/>
+              </a:ext>
+            </a:extLst>
+          </p:cNvPr>
+          <p:cNvSpPr>
+            <a:spLocks noGrp="1" noRot="1" noChangeAspect="1" noMove="1" noResize="1" noEditPoints="1" noAdjustHandles="1" noChangeArrowheads="1" noChangeShapeType="1" noTextEdit="1"/>
+          </p:cNvSpPr>
+          <p:nvPr>
+            <p:extLst>
+              <p:ext uri="{386F3935-93C4-4BCD-93E2-E3B085C9AB24}">
+                <p16:designElem xmlns:p16="http://schemas.microsoft.com/office/powerpoint/2015/main" val="1"/>
+              </p:ext>
+            </p:extLst>
+          </p:nvPr>
+        </p:nvSpPr>
+        <p:spPr>
+          <a:xfrm>
+            <a:off x="0" y="0"/>
+            <a:ext cx="12192000" cy="6858000"/>
+          </a:xfrm>
+          <a:prstGeom prst="rect">
+            <a:avLst/>
+          </a:prstGeom>
+          <a:ln>
+            <a:noFill/>
+          </a:ln>
+        </p:spPr>
+        <p:style>
+          <a:lnRef idx="2">
+            <a:schemeClr val="accent1">
+              <a:shade val="50000"/>
+            </a:schemeClr>
+          </a:lnRef>
+          <a:fillRef idx="1">
+            <a:schemeClr val="accent1"/>
+          </a:fillRef>
+          <a:effectRef idx="0">
+            <a:schemeClr val="accent1"/>
+          </a:effectRef>
+          <a:fontRef idx="minor">
+            <a:schemeClr val="lt1"/>
+          </a:fontRef>
+        </p:style>
+        <p:txBody>
+          <a:bodyPr rtlCol="0" anchor="ctr"/>
+          <a:lstStyle/>
+          <a:p>
+            <a:pPr algn="ctr"/>
+            <a:endParaRPr lang="en-US"/>
+          </a:p>
+        </p:txBody>
+      </p:sp>
+      <p:sp>
+        <p:nvSpPr>
+          <p:cNvPr id="10" name="Right Triangle 9">
+            <a:extLst>
+              <a:ext uri="{FF2B5EF4-FFF2-40B4-BE49-F238E27FC236}">
+                <a16:creationId xmlns:a16="http://schemas.microsoft.com/office/drawing/2014/main" id="{5298780A-33B9-4EA2-8F67-DE68AD62841B}"/>
+              </a:ext>
+              <a:ext uri="{C183D7F6-B498-43B3-948B-1728B52AA6E4}">
+                <adec:decorative xmlns:adec="http://schemas.microsoft.com/office/drawing/2017/decorative" val="1"/>
+              </a:ext>
+            </a:extLst>
+          </p:cNvPr>
+          <p:cNvSpPr>
+            <a:spLocks noGrp="1" noRot="1" noChangeAspect="1" noMove="1" noResize="1" noEditPoints="1" noAdjustHandles="1" noChangeArrowheads="1" noChangeShapeType="1" noTextEdit="1"/>
+          </p:cNvSpPr>
+          <p:nvPr>
+            <p:extLst>
+              <p:ext uri="{386F3935-93C4-4BCD-93E2-E3B085C9AB24}">
+                <p16:designElem xmlns:p16="http://schemas.microsoft.com/office/powerpoint/2015/main" val="1"/>
+              </p:ext>
+            </p:extLst>
+          </p:nvPr>
+        </p:nvSpPr>
+        <p:spPr>
+          <a:xfrm flipH="1">
+            <a:off x="8576720" y="3335867"/>
+            <a:ext cx="3291840" cy="3200400"/>
+          </a:xfrm>
+          <a:prstGeom prst="rtTriangle">
+            <a:avLst/>
+          </a:prstGeom>
+          <a:solidFill>
+            <a:schemeClr val="accent4"/>
+          </a:solidFill>
+          <a:ln>
+            <a:noFill/>
+          </a:ln>
+        </p:spPr>
+        <p:style>
+          <a:lnRef idx="2">
+            <a:schemeClr val="accent1">
+              <a:shade val="50000"/>
+            </a:schemeClr>
+          </a:lnRef>
+          <a:fillRef idx="1">
+            <a:schemeClr val="accent1"/>
+          </a:fillRef>
+          <a:effectRef idx="0">
+            <a:schemeClr val="accent1"/>
+          </a:effectRef>
+          <a:fontRef idx="minor">
+            <a:schemeClr val="lt1"/>
+          </a:fontRef>
+        </p:style>
+        <p:txBody>
+          <a:bodyPr rtlCol="0" anchor="ctr"/>
+          <a:lstStyle/>
+          <a:p>
+            <a:pPr algn="ctr"/>
+            <a:endParaRPr lang="en-US" dirty="0"/>
+          </a:p>
+        </p:txBody>
+      </p:sp>
+      <p:sp>
+        <p:nvSpPr>
+          <p:cNvPr id="12" name="Rectangle 11">
+            <a:extLst>
+              <a:ext uri="{FF2B5EF4-FFF2-40B4-BE49-F238E27FC236}">
+                <a16:creationId xmlns:a16="http://schemas.microsoft.com/office/drawing/2014/main" id="{7F488E8B-4E1E-4402-8935-D4E6C02615C7}"/>
+              </a:ext>
+              <a:ext uri="{C183D7F6-B498-43B3-948B-1728B52AA6E4}">
+                <adec:decorative xmlns:adec="http://schemas.microsoft.com/office/drawing/2017/decorative" val="1"/>
+              </a:ext>
+            </a:extLst>
+          </p:cNvPr>
+          <p:cNvSpPr>
+            <a:spLocks noGrp="1" noRot="1" noChangeAspect="1" noMove="1" noResize="1" noEditPoints="1" noAdjustHandles="1" noChangeArrowheads="1" noChangeShapeType="1" noTextEdit="1"/>
+          </p:cNvSpPr>
+          <p:nvPr>
+            <p:extLst>
+              <p:ext uri="{386F3935-93C4-4BCD-93E2-E3B085C9AB24}">
+                <p16:designElem xmlns:p16="http://schemas.microsoft.com/office/powerpoint/2015/main" val="1"/>
+              </p:ext>
+            </p:extLst>
+          </p:nvPr>
+        </p:nvSpPr>
+        <p:spPr>
+          <a:xfrm>
+            <a:off x="641774" y="623275"/>
+            <a:ext cx="10905053" cy="5607882"/>
+          </a:xfrm>
+          <a:prstGeom prst="rect">
+            <a:avLst/>
+          </a:prstGeom>
+          <a:noFill/>
+          <a:ln w="19050">
+            <a:solidFill>
+              <a:schemeClr val="tx1">
+                <a:lumMod val="75000"/>
+                <a:lumOff val="25000"/>
+              </a:schemeClr>
+            </a:solidFill>
+          </a:ln>
+        </p:spPr>
+        <p:style>
+          <a:lnRef idx="2">
+            <a:schemeClr val="accent1">
+              <a:shade val="50000"/>
+            </a:schemeClr>
+          </a:lnRef>
+          <a:fillRef idx="1">
+            <a:schemeClr val="accent1"/>
+          </a:fillRef>
+          <a:effectRef idx="0">
+            <a:schemeClr val="accent1"/>
+          </a:effectRef>
+          <a:fontRef idx="minor">
+            <a:schemeClr val="lt1"/>
+          </a:fontRef>
+        </p:style>
+        <p:txBody>
+          <a:bodyPr rtlCol="0" anchor="ctr"/>
+          <a:lstStyle/>
+          <a:p>
+            <a:pPr algn="ctr"/>
+            <a:endParaRPr lang="en-US"/>
+          </a:p>
+        </p:txBody>
+      </p:sp>
+      <p:sp>
+        <p:nvSpPr>
+          <p:cNvPr id="2" name="Title 1">
+            <a:extLst>
+              <a:ext uri="{FF2B5EF4-FFF2-40B4-BE49-F238E27FC236}">
+                <a16:creationId xmlns:a16="http://schemas.microsoft.com/office/drawing/2014/main" id="{D1C9F3F3-68CE-EE13-8BB3-904DFF944EE5}"/>
+              </a:ext>
+            </a:extLst>
+          </p:cNvPr>
+          <p:cNvSpPr>
+            <a:spLocks noGrp="1"/>
+          </p:cNvSpPr>
+          <p:nvPr>
+            <p:ph type="title"/>
+          </p:nvPr>
+        </p:nvSpPr>
+        <p:spPr>
+          <a:xfrm>
+            <a:off x="1075767" y="1188637"/>
+            <a:ext cx="2988234" cy="4480726"/>
+          </a:xfrm>
+        </p:spPr>
+        <p:txBody>
+          <a:bodyPr>
+            <a:normAutofit/>
+          </a:bodyPr>
+          <a:lstStyle/>
+          <a:p>
+            <a:pPr algn="r"/>
+            <a:r>
+              <a:rPr lang="en-US" sz="6600" dirty="0"/>
+              <a:t>GitHub Link</a:t>
+            </a:r>
+          </a:p>
+        </p:txBody>
+      </p:sp>
+      <p:cxnSp>
+        <p:nvCxnSpPr>
+          <p:cNvPr id="14" name="Straight Connector 13">
+            <a:extLst>
+              <a:ext uri="{FF2B5EF4-FFF2-40B4-BE49-F238E27FC236}">
+                <a16:creationId xmlns:a16="http://schemas.microsoft.com/office/drawing/2014/main" id="{23AAC9B5-8015-485C-ACF9-A750390E9A56}"/>
+              </a:ext>
+              <a:ext uri="{C183D7F6-B498-43B3-948B-1728B52AA6E4}">
+                <adec:decorative xmlns:adec="http://schemas.microsoft.com/office/drawing/2017/decorative" val="1"/>
+              </a:ext>
+            </a:extLst>
+          </p:cNvPr>
+          <p:cNvCxnSpPr>
+            <a:cxnSpLocks noGrp="1" noRot="1" noChangeAspect="1" noMove="1" noResize="1" noEditPoints="1" noAdjustHandles="1" noChangeArrowheads="1" noChangeShapeType="1"/>
+          </p:cNvCxnSpPr>
+          <p:nvPr>
+            <p:extLst>
+              <p:ext uri="{386F3935-93C4-4BCD-93E2-E3B085C9AB24}">
+                <p16:designElem xmlns:p16="http://schemas.microsoft.com/office/powerpoint/2015/main" val="1"/>
+              </p:ext>
+            </p:extLst>
+          </p:nvPr>
+        </p:nvCxnSpPr>
+        <p:spPr>
+          <a:xfrm>
+            <a:off x="4654296" y="1852863"/>
+            <a:ext cx="0" cy="3236495"/>
+          </a:xfrm>
+          <a:prstGeom prst="line">
+            <a:avLst/>
+          </a:prstGeom>
+          <a:ln w="19050" cap="sq">
+            <a:solidFill>
+              <a:schemeClr val="tx1">
+                <a:lumMod val="75000"/>
+                <a:lumOff val="25000"/>
+              </a:schemeClr>
+            </a:solidFill>
+          </a:ln>
+        </p:spPr>
+        <p:style>
+          <a:lnRef idx="1">
+            <a:schemeClr val="accent1"/>
+          </a:lnRef>
+          <a:fillRef idx="0">
+            <a:schemeClr val="accent1"/>
+          </a:fillRef>
+          <a:effectRef idx="0">
+            <a:schemeClr val="accent1"/>
+          </a:effectRef>
+          <a:fontRef idx="minor">
+            <a:schemeClr val="tx1"/>
+          </a:fontRef>
+        </p:style>
+      </p:cxnSp>
+      <p:sp>
+        <p:nvSpPr>
+          <p:cNvPr id="3" name="Content Placeholder 2">
+            <a:extLst>
+              <a:ext uri="{FF2B5EF4-FFF2-40B4-BE49-F238E27FC236}">
+                <a16:creationId xmlns:a16="http://schemas.microsoft.com/office/drawing/2014/main" id="{B5C5A014-5E94-7158-F4AB-A6D862C76188}"/>
+              </a:ext>
+            </a:extLst>
+          </p:cNvPr>
+          <p:cNvSpPr>
+            <a:spLocks noGrp="1"/>
+          </p:cNvSpPr>
+          <p:nvPr>
+            <p:ph idx="1"/>
+          </p:nvPr>
+        </p:nvSpPr>
+        <p:spPr>
+          <a:xfrm>
+            <a:off x="5255260" y="1648870"/>
+            <a:ext cx="4702848" cy="3560260"/>
+          </a:xfrm>
+        </p:spPr>
+        <p:txBody>
+          <a:bodyPr anchor="ctr">
+            <a:normAutofit/>
+          </a:bodyPr>
+          <a:lstStyle/>
+          <a:p>
+            <a:r>
+              <a:rPr lang="en-US" sz="2400" dirty="0">
+                <a:hlinkClick r:id="rId2"/>
+              </a:rPr>
+              <a:t>https://github.com/hardikbhawsar/Movie-Recommendation-System/tree/main</a:t>
+            </a:r>
+            <a:endParaRPr lang="en-US" sz="2400" dirty="0"/>
+          </a:p>
+          <a:p>
+            <a:endParaRPr lang="en-US" sz="2400" dirty="0"/>
+          </a:p>
+        </p:txBody>
+      </p:sp>
+    </p:spTree>
+    <p:extLst>
+      <p:ext uri="{BB962C8B-B14F-4D97-AF65-F5344CB8AC3E}">
+        <p14:creationId xmlns:p14="http://schemas.microsoft.com/office/powerpoint/2010/main" val="4066472084"/>
+      </p:ext>
+    </p:extLst>
+  </p:cSld>
+  <p:clrMapOvr>
+    <a:masterClrMapping/>
+  </p:clrMapOvr>
+</p:sld>
+</file>
+
+<file path=ppt/slides/slide12.xml><?xml version="1.0" encoding="utf-8"?>
+<p:sld xmlns:a="http://schemas.openxmlformats.org/drawingml/2006/main" xmlns:r="http://schemas.openxmlformats.org/officeDocument/2006/relationships" xmlns:p="http://schemas.openxmlformats.org/presentationml/2006/main">
+  <p:cSld>
+    <p:bg>
+      <p:bgPr>
+        <a:solidFill>
+          <a:schemeClr val="bg1"/>
+        </a:solidFill>
+        <a:effectLst/>
+      </p:bgPr>
+    </p:bg>
+    <p:spTree>
+      <p:nvGrpSpPr>
+        <p:cNvPr id="1" name=""/>
+        <p:cNvGrpSpPr/>
+        <p:nvPr/>
+      </p:nvGrpSpPr>
+      <p:grpSpPr>
+        <a:xfrm>
+          <a:off x="0" y="0"/>
+          <a:ext cx="0" cy="0"/>
+          <a:chOff x="0" y="0"/>
+          <a:chExt cx="0" cy="0"/>
+        </a:xfrm>
+      </p:grpSpPr>
+      <p:sp useBgFill="1">
+        <p:nvSpPr>
           <p:cNvPr id="16" name="Rectangle 15">
             <a:extLst>
               <a:ext uri="{FF2B5EF4-FFF2-40B4-BE49-F238E27FC236}">
@@ -4244,7 +4609,7 @@
 </p:sld>
 </file>
 
-<file path=ppt/slides/slide12.xml><?xml version="1.0" encoding="utf-8"?>
+<file path=ppt/slides/slide13.xml><?xml version="1.0" encoding="utf-8"?>
 <p:sld xmlns:a="http://schemas.openxmlformats.org/drawingml/2006/main" xmlns:r="http://schemas.openxmlformats.org/officeDocument/2006/relationships" xmlns:p="http://schemas.openxmlformats.org/presentationml/2006/main">
   <p:cSld>
     <p:bg>
